--- a/PPTs/00 Introduction.pptx
+++ b/PPTs/00 Introduction.pptx
@@ -219,7 +219,7 @@
             <a:fld id="{4991502B-FFA8-47B9-B4E5-980CA415BAFF}" type="datetimeFigureOut">
               <a:rPr lang="en-US" smtClean="0"/>
               <a:pPr/>
-              <a:t>4/30/2017</a:t>
+              <a:t>5/23/2017</a:t>
             </a:fld>
             <a:endParaRPr lang="en-US"/>
           </a:p>
@@ -1072,7 +1072,7 @@
           <a:p>
             <a:r>
               <a:rPr lang="en-US"/>
-              <a:t>© 2016 Ori Calvo</a:t>
+              <a:t>© 2017 Ori Calvo</a:t>
             </a:r>
           </a:p>
         </p:txBody>
@@ -1250,7 +1250,7 @@
           <a:p>
             <a:r>
               <a:rPr lang="en-US"/>
-              <a:t>© 2016 Ori Calvo</a:t>
+              <a:t>© 2017 Ori Calvo</a:t>
             </a:r>
           </a:p>
         </p:txBody>
@@ -1440,7 +1440,7 @@
           <a:p>
             <a:r>
               <a:rPr lang="en-US"/>
-              <a:t>© 2016 Ori Calvo</a:t>
+              <a:t>© 2017 Ori Calvo</a:t>
             </a:r>
           </a:p>
         </p:txBody>
@@ -1687,10 +1687,9 @@
           </a:lstStyle>
           <a:p>
             <a:r>
-              <a:rPr lang="en-US"/>
-              <a:t>© 2016 Ori Calvo</a:t>
-            </a:r>
-            <a:endParaRPr lang="en-US" dirty="0"/>
+              <a:rPr lang="en-US" dirty="0"/>
+              <a:t>© 2017 Ori Calvo</a:t>
+            </a:r>
           </a:p>
         </p:txBody>
       </p:sp>
@@ -2270,7 +2269,7 @@
           <a:p>
             <a:r>
               <a:rPr lang="en-US"/>
-              <a:t>© 2016 Ori Calvo</a:t>
+              <a:t>© 2017 Ori Calvo</a:t>
             </a:r>
           </a:p>
         </p:txBody>
@@ -2497,7 +2496,7 @@
           <a:p>
             <a:r>
               <a:rPr lang="en-US"/>
-              <a:t>© 2016 Ori Calvo</a:t>
+              <a:t>© 2017 Ori Calvo</a:t>
             </a:r>
           </a:p>
         </p:txBody>
@@ -2733,7 +2732,7 @@
           <a:p>
             <a:r>
               <a:rPr lang="en-US"/>
-              <a:t>© 2016 Ori Calvo</a:t>
+              <a:t>© 2017 Ori Calvo</a:t>
             </a:r>
           </a:p>
         </p:txBody>
@@ -2904,7 +2903,7 @@
           <a:p>
             <a:r>
               <a:rPr lang="en-US"/>
-              <a:t>© 2016 Ori Calvo</a:t>
+              <a:t>© 2017 Ori Calvo</a:t>
             </a:r>
           </a:p>
         </p:txBody>
@@ -3002,7 +3001,7 @@
           <a:p>
             <a:r>
               <a:rPr lang="en-US"/>
-              <a:t>© 2016 Ori Calvo</a:t>
+              <a:t>© 2017 Ori Calvo</a:t>
             </a:r>
           </a:p>
         </p:txBody>
@@ -3138,7 +3137,7 @@
           <a:p>
             <a:r>
               <a:rPr lang="en-US"/>
-              <a:t>© 2016 Ori Calvo</a:t>
+              <a:t>© 2017 Ori Calvo</a:t>
             </a:r>
           </a:p>
         </p:txBody>
@@ -3694,7 +3693,7 @@
           <a:p>
             <a:r>
               <a:rPr lang="en-US"/>
-              <a:t>© 2016 Ori Calvo</a:t>
+              <a:t>© 2017 Ori Calvo</a:t>
             </a:r>
           </a:p>
         </p:txBody>
@@ -3933,7 +3932,7 @@
           <a:p>
             <a:r>
               <a:rPr lang="en-US"/>
-              <a:t>© 2016 Ori Calvo</a:t>
+              <a:t>© 2017 Ori Calvo</a:t>
             </a:r>
             <a:endParaRPr lang="en-US" dirty="0"/>
           </a:p>
@@ -4463,7 +4462,7 @@
           <a:p>
             <a:r>
               <a:rPr lang="en-US" sz="4800" dirty="0"/>
-              <a:t>Angular2 development</a:t>
+              <a:t>Advanced Angular</a:t>
             </a:r>
           </a:p>
         </p:txBody>
@@ -4506,7 +4505,7 @@
           <a:p>
             <a:r>
               <a:rPr lang="en-US" sz="1800" dirty="0"/>
-              <a:t>https://oricalvo.wordpress.com/</a:t>
+              <a:t>http://trainologic.com</a:t>
             </a:r>
           </a:p>
         </p:txBody>
@@ -4577,13 +4576,7 @@
           <a:p>
             <a:r>
               <a:rPr lang="en-US" dirty="0"/>
-              <a:t>Advanced JavaScript</a:t>
-            </a:r>
-          </a:p>
-          <a:p>
-            <a:r>
-              <a:rPr lang="en-US" dirty="0"/>
-              <a:t>Building SPA with Angular2</a:t>
+              <a:t>Getting deeper into Angular</a:t>
             </a:r>
           </a:p>
           <a:p>
@@ -4595,13 +4588,19 @@
           <a:p>
             <a:r>
               <a:rPr lang="en-US" dirty="0"/>
-              <a:t>Walk through all major Angular2 APIs</a:t>
+              <a:t>Explain alternatives and approaches</a:t>
             </a:r>
           </a:p>
           <a:p>
             <a:r>
               <a:rPr lang="en-US" dirty="0"/>
-              <a:t>Writing Components and Directives</a:t>
+              <a:t>Use advanced API</a:t>
+            </a:r>
+          </a:p>
+          <a:p>
+            <a:r>
+              <a:rPr lang="en-US" dirty="0"/>
+              <a:t>Look at Angular source code</a:t>
             </a:r>
           </a:p>
           <a:p>
@@ -4652,7 +4651,7 @@
           <a:p>
             <a:r>
               <a:rPr lang="en-US"/>
-              <a:t>© 2016 Ori Calvo</a:t>
+              <a:t>© 2017 Ori Calvo</a:t>
             </a:r>
             <a:endParaRPr lang="en-US" dirty="0"/>
           </a:p>
@@ -4740,13 +4739,13 @@
           <a:p>
             <a:r>
               <a:rPr lang="en-US" dirty="0"/>
+              <a:t>Be familiar with Angular</a:t>
+            </a:r>
+          </a:p>
+          <a:p>
+            <a:r>
+              <a:rPr lang="en-US" dirty="0"/>
               <a:t>No server side web development experience is required</a:t>
-            </a:r>
-          </a:p>
-          <a:p>
-            <a:r>
-              <a:rPr lang="en-US" dirty="0"/>
-              <a:t>No Angular1 experience is required</a:t>
             </a:r>
           </a:p>
         </p:txBody>
@@ -4794,7 +4793,7 @@
           <a:p>
             <a:r>
               <a:rPr lang="en-US"/>
-              <a:t>© 2016 Ori Calvo</a:t>
+              <a:t>© 2017 Ori Calvo</a:t>
             </a:r>
             <a:endParaRPr lang="en-US" dirty="0"/>
           </a:p>
@@ -4860,31 +4859,13 @@
         <p:spPr/>
         <p:txBody>
           <a:bodyPr>
-            <a:normAutofit/>
+            <a:normAutofit fontScale="85000" lnSpcReduction="20000"/>
           </a:bodyPr>
           <a:lstStyle/>
           <a:p>
             <a:r>
               <a:rPr lang="en-US" dirty="0"/>
-              <a:t>Advanced JavaScript</a:t>
-            </a:r>
-          </a:p>
-          <a:p>
-            <a:r>
-              <a:rPr lang="en-US" dirty="0"/>
-              <a:t>ECMAScript 6 &amp; Typescript</a:t>
-            </a:r>
-          </a:p>
-          <a:p>
-            <a:r>
-              <a:rPr lang="en-US" dirty="0"/>
-              <a:t>My First Angular Application</a:t>
-            </a:r>
-          </a:p>
-          <a:p>
-            <a:r>
-              <a:rPr lang="en-US" dirty="0"/>
-              <a:t>Understanding Angular2</a:t>
+              <a:t>Build &amp; Setup</a:t>
             </a:r>
           </a:p>
           <a:p>
@@ -4901,14 +4882,51 @@
           </a:p>
           <a:p>
             <a:r>
+              <a:rPr lang="en-US" dirty="0" err="1"/>
+              <a:t>RxJS</a:t>
+            </a:r>
+            <a:endParaRPr lang="en-US" dirty="0"/>
+          </a:p>
+          <a:p>
+            <a:r>
               <a:rPr lang="en-US" dirty="0"/>
-              <a:t>Migrating from Angular1</a:t>
+              <a:t>Dependency Injection</a:t>
             </a:r>
           </a:p>
           <a:p>
             <a:r>
               <a:rPr lang="en-US" dirty="0"/>
-              <a:t>Testability</a:t>
+              <a:t>Change Detection</a:t>
+            </a:r>
+          </a:p>
+          <a:p>
+            <a:r>
+              <a:rPr lang="en-US" dirty="0"/>
+              <a:t>Component Architecture &amp; State Management</a:t>
+            </a:r>
+          </a:p>
+          <a:p>
+            <a:r>
+              <a:rPr lang="en-US" dirty="0"/>
+              <a:t>Custom directives</a:t>
+            </a:r>
+          </a:p>
+          <a:p>
+            <a:r>
+              <a:rPr lang="en-US" dirty="0"/>
+              <a:t>Forms &amp; Validation</a:t>
+            </a:r>
+          </a:p>
+          <a:p>
+            <a:r>
+              <a:rPr lang="en-US" dirty="0"/>
+              <a:t>Testing &amp; Profiling (if time permits)</a:t>
+            </a:r>
+          </a:p>
+          <a:p>
+            <a:r>
+              <a:rPr lang="en-US" dirty="0"/>
+              <a:t>ECMAScript6 &amp; Typescript (if time permits)</a:t>
             </a:r>
           </a:p>
         </p:txBody>
@@ -4956,7 +4974,7 @@
           <a:p>
             <a:r>
               <a:rPr lang="en-US"/>
-              <a:t>© 2016 Ori Calvo</a:t>
+              <a:t>© 2017 Ori Calvo</a:t>
             </a:r>
             <a:endParaRPr lang="en-US" dirty="0"/>
           </a:p>
@@ -5092,7 +5110,7 @@
           <a:p>
             <a:r>
               <a:rPr lang="en-US"/>
-              <a:t>© 2016 Ori Calvo</a:t>
+              <a:t>© 2017 Ori Calvo</a:t>
             </a:r>
             <a:endParaRPr lang="en-US" dirty="0"/>
           </a:p>
@@ -5162,7 +5180,7 @@
           <a:p>
             <a:r>
               <a:rPr lang="en-US"/>
-              <a:t>© 2016 Ori Calvo</a:t>
+              <a:t>© 2017 Ori Calvo</a:t>
             </a:r>
             <a:endParaRPr lang="en-US" dirty="0"/>
           </a:p>

--- a/PPTs/00 Introduction.pptx
+++ b/PPTs/00 Introduction.pptx
@@ -219,7 +219,7 @@
             <a:fld id="{4991502B-FFA8-47B9-B4E5-980CA415BAFF}" type="datetimeFigureOut">
               <a:rPr lang="en-US" smtClean="0"/>
               <a:pPr/>
-              <a:t>5/23/2017</a:t>
+              <a:t>12/2/2017</a:t>
             </a:fld>
             <a:endParaRPr lang="en-US"/>
           </a:p>
@@ -4871,6 +4871,18 @@
           <a:p>
             <a:r>
               <a:rPr lang="en-US" dirty="0"/>
+              <a:t>Change Detection</a:t>
+            </a:r>
+          </a:p>
+          <a:p>
+            <a:r>
+              <a:rPr lang="en-US" dirty="0"/>
+              <a:t>Dependency Injection</a:t>
+            </a:r>
+          </a:p>
+          <a:p>
+            <a:r>
+              <a:rPr lang="en-US" dirty="0"/>
               <a:t>Advanced Components</a:t>
             </a:r>
           </a:p>
@@ -4882,45 +4894,41 @@
           </a:p>
           <a:p>
             <a:r>
+              <a:rPr lang="en-US" dirty="0"/>
+              <a:t>Component Architecture &amp; State Management</a:t>
+            </a:r>
+          </a:p>
+          <a:p>
+            <a:r>
+              <a:rPr lang="en-US" dirty="0"/>
+              <a:t>Custom directives</a:t>
+            </a:r>
+          </a:p>
+          <a:p>
+            <a:r>
+              <a:rPr lang="en-US" dirty="0"/>
+              <a:t>Forms &amp; Validation</a:t>
+            </a:r>
+          </a:p>
+          <a:p>
+            <a:r>
               <a:rPr lang="en-US" dirty="0" err="1"/>
               <a:t>RxJS</a:t>
             </a:r>
+            <a:r>
+              <a:rPr lang="en-US" dirty="0"/>
+              <a:t> &amp; </a:t>
+            </a:r>
+            <a:r>
+              <a:rPr lang="en-US" dirty="0" err="1"/>
+              <a:t>NgRx</a:t>
+            </a:r>
             <a:endParaRPr lang="en-US" dirty="0"/>
           </a:p>
           <a:p>
             <a:r>
               <a:rPr lang="en-US" dirty="0"/>
-              <a:t>Dependency Injection</a:t>
-            </a:r>
-          </a:p>
-          <a:p>
-            <a:r>
-              <a:rPr lang="en-US" dirty="0"/>
-              <a:t>Change Detection</a:t>
-            </a:r>
-          </a:p>
-          <a:p>
-            <a:r>
-              <a:rPr lang="en-US" dirty="0"/>
-              <a:t>Component Architecture &amp; State Management</a:t>
-            </a:r>
-          </a:p>
-          <a:p>
-            <a:r>
-              <a:rPr lang="en-US" dirty="0"/>
-              <a:t>Custom directives</a:t>
-            </a:r>
-          </a:p>
-          <a:p>
-            <a:r>
-              <a:rPr lang="en-US" dirty="0"/>
-              <a:t>Forms &amp; Validation</a:t>
-            </a:r>
-          </a:p>
-          <a:p>
-            <a:r>
-              <a:rPr lang="en-US" dirty="0"/>
-              <a:t>Testing &amp; Profiling (if time permits)</a:t>
+              <a:t>Testing &amp; Profiling</a:t>
             </a:r>
           </a:p>
           <a:p>
